--- a/ppt_test.pptx
+++ b/ppt_test.pptx
@@ -3140,7 +3140,31 @@
             </a:pPr>
             <a:r>
               <a:rPr/>
-              <a:t>Untitled</a:t>
+              <a:t>Situation</a:t>
+            </a:r>
+            <a:r>
+              <a:rPr/>
+              <a:t> </a:t>
+            </a:r>
+            <a:r>
+              <a:rPr/>
+              <a:t>de</a:t>
+            </a:r>
+            <a:r>
+              <a:rPr/>
+              <a:t> </a:t>
+            </a:r>
+            <a:r>
+              <a:rPr/>
+              <a:t>la</a:t>
+            </a:r>
+            <a:r>
+              <a:rPr/>
+              <a:t> </a:t>
+            </a:r>
+            <a:r>
+              <a:rPr/>
+              <a:t>COVID19</a:t>
             </a:r>
           </a:p>
         </p:txBody>
@@ -3170,34 +3194,30 @@
             </a:pPr>
             <a:br/>
             <a:br/>
+          </a:p>
+        </p:txBody>
+      </p:sp>
+      <p:sp>
+        <p:nvSpPr>
+          <p:cNvPr id="4" name="Date Placeholder 3"/>
+          <p:cNvSpPr>
+            <a:spLocks noGrp="1"/>
+          </p:cNvSpPr>
+          <p:nvPr>
+            <p:ph type="dt" sz="half" idx="10"/>
+          </p:nvPr>
+        </p:nvSpPr>
+        <p:spPr/>
+        <p:txBody>
+          <a:bodyPr/>
+          <a:lstStyle/>
+          <a:p>
+            <a:pPr lvl="0" marL="0" indent="0">
+              <a:buNone/>
+            </a:pPr>
             <a:r>
               <a:rPr/>
-              <a:t>legourmet</a:t>
-            </a:r>
-          </a:p>
-        </p:txBody>
-      </p:sp>
-      <p:sp>
-        <p:nvSpPr>
-          <p:cNvPr id="4" name="Date Placeholder 3"/>
-          <p:cNvSpPr>
-            <a:spLocks noGrp="1"/>
-          </p:cNvSpPr>
-          <p:nvPr>
-            <p:ph type="dt" sz="half" idx="10"/>
-          </p:nvPr>
-        </p:nvSpPr>
-        <p:spPr/>
-        <p:txBody>
-          <a:bodyPr/>
-          <a:lstStyle/>
-          <a:p>
-            <a:pPr lvl="0" marL="0" indent="0">
-              <a:buNone/>
-            </a:pPr>
-            <a:r>
-              <a:rPr/>
-              <a:t>11/19/2021</a:t>
+              <a:t>11/23/2021</a:t>
             </a:r>
           </a:p>
         </p:txBody>
@@ -3244,7 +3264,7 @@
             </a:pPr>
             <a:r>
               <a:rPr/>
-              <a:t>R</a:t>
+              <a:t>Evolution</a:t>
             </a:r>
             <a:r>
               <a:rPr/>
@@ -3252,63 +3272,89 @@
             </a:r>
             <a:r>
               <a:rPr/>
-              <a:t>Markdown</a:t>
-            </a:r>
-          </a:p>
-        </p:txBody>
-      </p:sp>
-      <p:sp>
-        <p:nvSpPr>
-          <p:cNvPr id="3" name="Content Placeholder 2"/>
-          <p:cNvSpPr>
-            <a:spLocks noGrp="1"/>
-          </p:cNvSpPr>
-          <p:nvPr>
-            <p:ph idx="1"/>
-          </p:nvPr>
-        </p:nvSpPr>
-        <p:spPr/>
-        <p:txBody>
-          <a:bodyPr/>
-          <a:lstStyle/>
-          <a:p>
-            <a:pPr lvl="0" marL="0" indent="0">
-              <a:buNone/>
-            </a:pPr>
+              <a:t>temporelle</a:t>
+            </a:r>
             <a:r>
               <a:rPr/>
-              <a:t>This is an R Markdown presentation. Markdown is a simple formatting syntax for authoring HTML, PDF, and MS Word documents. For more details on using R Markdown see </a:t>
-            </a:r>
-            <a:r>
-              <a:rPr>
-                <a:hlinkClick r:id="rId2"/>
-              </a:rPr>
-              <a:t>http://rmarkdown.rstudio.com</a:t>
+              <a:t> </a:t>
             </a:r>
             <a:r>
               <a:rPr/>
-              <a:t>.</a:t>
-            </a:r>
-          </a:p>
-          <a:p>
-            <a:pPr lvl="0" marL="0" indent="0">
-              <a:buNone/>
-            </a:pPr>
+              <a:t>du</a:t>
+            </a:r>
             <a:r>
               <a:rPr/>
-              <a:t>When you click the </a:t>
-            </a:r>
-            <a:r>
-              <a:rPr b="1"/>
-              <a:t>Knit</a:t>
+              <a:t> </a:t>
             </a:r>
             <a:r>
               <a:rPr/>
-              <a:t> button a document will be generated that includes both content as well as the output of any embedded R code chunks within the document.</a:t>
-            </a:r>
-          </a:p>
-        </p:txBody>
-      </p:sp>
+              <a:t>taux</a:t>
+            </a:r>
+            <a:r>
+              <a:rPr/>
+              <a:t> </a:t>
+            </a:r>
+            <a:r>
+              <a:rPr/>
+              <a:t>de</a:t>
+            </a:r>
+            <a:r>
+              <a:rPr/>
+              <a:t> </a:t>
+            </a:r>
+            <a:r>
+              <a:rPr/>
+              <a:t>positivite</a:t>
+            </a:r>
+            <a:r>
+              <a:rPr/>
+              <a:t> </a:t>
+            </a:r>
+            <a:r>
+              <a:rPr/>
+              <a:t>par</a:t>
+            </a:r>
+            <a:r>
+              <a:rPr/>
+              <a:t> </a:t>
+            </a:r>
+            <a:r>
+              <a:rPr/>
+              <a:t>semaine</a:t>
+            </a:r>
+          </a:p>
+        </p:txBody>
+      </p:sp>
+      <p:pic>
+        <p:nvPicPr>
+          <p:cNvPr descr="ppt_test_files/figure-pptx/unnamed-chunk-1-1.png" id="0" name="Picture 1"/>
+          <p:cNvPicPr>
+            <a:picLocks noGrp="1" noChangeAspect="1"/>
+          </p:cNvPicPr>
+          <p:nvPr/>
+        </p:nvPicPr>
+        <p:blipFill>
+          <a:blip r:embed="rId2"/>
+          <a:stretch>
+            <a:fillRect/>
+          </a:stretch>
+        </p:blipFill>
+        <p:spPr bwMode="auto">
+          <a:xfrm>
+            <a:off x="1752600" y="1600200"/>
+            <a:ext cx="5651500" cy="4521200"/>
+          </a:xfrm>
+          <a:prstGeom prst="rect">
+            <a:avLst/>
+          </a:prstGeom>
+          <a:noFill/>
+          <a:ln w="9525">
+            <a:noFill/>
+            <a:headEnd/>
+            <a:tailEnd/>
+          </a:ln>
+        </p:spPr>
+      </p:pic>
     </p:spTree>
   </p:cSld>
 </p:sld>
@@ -3351,7 +3397,7 @@
             </a:pPr>
             <a:r>
               <a:rPr/>
-              <a:t>Slide</a:t>
+              <a:t>Cartes</a:t>
             </a:r>
             <a:r>
               <a:rPr/>
@@ -3359,7 +3405,7 @@
             </a:r>
             <a:r>
               <a:rPr/>
-              <a:t>with</a:t>
+              <a:t>du</a:t>
             </a:r>
             <a:r>
               <a:rPr/>
@@ -3367,48 +3413,57 @@
             </a:r>
             <a:r>
               <a:rPr/>
-              <a:t>Bullets</a:t>
-            </a:r>
-          </a:p>
-        </p:txBody>
-      </p:sp>
-      <p:sp>
-        <p:nvSpPr>
-          <p:cNvPr id="3" name="Content Placeholder 2"/>
-          <p:cNvSpPr>
-            <a:spLocks noGrp="1"/>
-          </p:cNvSpPr>
-          <p:nvPr>
-            <p:ph idx="1"/>
-          </p:nvPr>
-        </p:nvSpPr>
-        <p:spPr/>
-        <p:txBody>
-          <a:bodyPr/>
-          <a:lstStyle/>
-          <a:p>
-            <a:pPr lvl="1"/>
+              <a:t>nombre</a:t>
+            </a:r>
             <a:r>
               <a:rPr/>
-              <a:t>Bullet 1</a:t>
-            </a:r>
-          </a:p>
-          <a:p>
-            <a:pPr lvl="1"/>
+              <a:t> </a:t>
+            </a:r>
             <a:r>
               <a:rPr/>
-              <a:t>Bullet 2</a:t>
-            </a:r>
-          </a:p>
-          <a:p>
-            <a:pPr lvl="1"/>
+              <a:t>de</a:t>
+            </a:r>
             <a:r>
               <a:rPr/>
-              <a:t>Bullet 3</a:t>
-            </a:r>
-          </a:p>
-        </p:txBody>
-      </p:sp>
+              <a:t> </a:t>
+            </a:r>
+            <a:r>
+              <a:rPr/>
+              <a:t>cas</a:t>
+            </a:r>
+          </a:p>
+        </p:txBody>
+      </p:sp>
+      <p:pic>
+        <p:nvPicPr>
+          <p:cNvPr descr="ppt_test_files/figure-pptx/cartes-1.png" id="0" name="Picture 1"/>
+          <p:cNvPicPr>
+            <a:picLocks noGrp="1" noChangeAspect="1"/>
+          </p:cNvPicPr>
+          <p:nvPr/>
+        </p:nvPicPr>
+        <p:blipFill>
+          <a:blip r:embed="rId2"/>
+          <a:stretch>
+            <a:fillRect/>
+          </a:stretch>
+        </p:blipFill>
+        <p:spPr bwMode="auto">
+          <a:xfrm>
+            <a:off x="1181100" y="1600200"/>
+            <a:ext cx="6781800" cy="4521200"/>
+          </a:xfrm>
+          <a:prstGeom prst="rect">
+            <a:avLst/>
+          </a:prstGeom>
+          <a:noFill/>
+          <a:ln w="9525">
+            <a:noFill/>
+            <a:headEnd/>
+            <a:tailEnd/>
+          </a:ln>
+        </p:spPr>
+      </p:pic>
     </p:spTree>
   </p:cSld>
 </p:sld>
@@ -3451,7 +3506,7 @@
             </a:pPr>
             <a:r>
               <a:rPr/>
-              <a:t>Slide</a:t>
+              <a:t>Nombre</a:t>
             </a:r>
             <a:r>
               <a:rPr/>
@@ -3459,7 +3514,7 @@
             </a:r>
             <a:r>
               <a:rPr/>
-              <a:t>with</a:t>
+              <a:t>de</a:t>
             </a:r>
             <a:r>
               <a:rPr/>
@@ -3467,7 +3522,7 @@
             </a:r>
             <a:r>
               <a:rPr/>
-              <a:t>R</a:t>
+              <a:t>cas</a:t>
             </a:r>
             <a:r>
               <a:rPr/>
@@ -3475,64 +3530,1252 @@
             </a:r>
             <a:r>
               <a:rPr/>
-              <a:t>Output</a:t>
-            </a:r>
-          </a:p>
-        </p:txBody>
-      </p:sp>
-      <p:sp>
-        <p:nvSpPr>
-          <p:cNvPr id="3" name="Content Placeholder 2"/>
-          <p:cNvSpPr>
-            <a:spLocks noGrp="1"/>
-          </p:cNvSpPr>
+              <a:t>cumules</a:t>
+            </a:r>
+            <a:r>
+              <a:rPr/>
+              <a:t> </a:t>
+            </a:r>
+            <a:r>
+              <a:rPr/>
+              <a:t>et</a:t>
+            </a:r>
+            <a:r>
+              <a:rPr/>
+              <a:t> </a:t>
+            </a:r>
+            <a:r>
+              <a:rPr/>
+              <a:t>recents</a:t>
+            </a:r>
+            <a:r>
+              <a:rPr/>
+              <a:t> </a:t>
+            </a:r>
+            <a:r>
+              <a:rPr/>
+              <a:t>par</a:t>
+            </a:r>
+            <a:r>
+              <a:rPr/>
+              <a:t> </a:t>
+            </a:r>
+            <a:r>
+              <a:rPr/>
+              <a:t>region</a:t>
+            </a:r>
+          </a:p>
+        </p:txBody>
+      </p:sp>
+      <p:graphicFrame>
+        <p:nvGraphicFramePr>
+          <p:cNvPr id="6" name="Content Placeholder 5"/>
+          <p:cNvGraphicFramePr>
+            <a:graphicFrameLocks noGrp="1"/>
+          </p:cNvGraphicFramePr>
           <p:nvPr>
             <p:ph idx="1"/>
           </p:nvPr>
-        </p:nvSpPr>
-        <p:spPr/>
-        <p:txBody>
-          <a:bodyPr/>
-          <a:lstStyle/>
-          <a:p>
-            <a:pPr lvl="0" marL="1270000" indent="0">
-              <a:buNone/>
-            </a:pPr>
-            <a:r>
-              <a:rPr sz="1800" b="1">
-                <a:solidFill>
-                  <a:srgbClr val="007020"/>
-                </a:solidFill>
-                <a:latin typeface="Courier"/>
-              </a:rPr>
-              <a:t>summary</a:t>
-            </a:r>
-            <a:r>
-              <a:rPr sz="1800">
-                <a:latin typeface="Courier"/>
-              </a:rPr>
-              <a:t>(cars)</a:t>
-            </a:r>
-          </a:p>
-          <a:p>
-            <a:pPr lvl="0" marL="1270000" indent="0">
-              <a:buNone/>
-            </a:pPr>
-            <a:r>
-              <a:rPr sz="1800">
-                <a:latin typeface="Courier"/>
-              </a:rPr>
-              <a:t>##      speed           dist       
-##  Min.   : 4.0   Min.   :  2.00  
-##  1st Qu.:12.0   1st Qu.: 26.00  
-##  Median :15.0   Median : 36.00  
-##  Mean   :15.4   Mean   : 42.98  
-##  3rd Qu.:19.0   3rd Qu.: 56.00  
-##  Max.   :25.0   Max.   :120.00</a:t>
-            </a:r>
-          </a:p>
-        </p:txBody>
-      </p:sp>
+        </p:nvGraphicFramePr>
+        <p:xfrm>
+          <a:off x="457200" y="1600200"/>
+          <a:ext cx="8229600" cy="4521200"/>
+        </p:xfrm>
+        <a:graphic>
+          <a:graphicData uri="http://schemas.openxmlformats.org/drawingml/2006/table">
+            <a:tbl>
+              <a:tblPr firstRow="1" bandRow="1">
+                <a:tableStyleId>{5C22544A-7EE6-4342-B048-85BDC9FD1C3A}</a:tableStyleId>
+              </a:tblPr>
+              <a:tblGrid>
+                <a:gridCol w="2743200"/>
+                <a:gridCol w="2743200"/>
+                <a:gridCol w="2743200"/>
+              </a:tblGrid>
+              <a:tr h="0">
+                <a:tc>
+                  <a:txBody>
+                    <a:bodyPr/>
+                    <a:lstStyle/>
+                    <a:p>
+                      <a:pPr lvl="0" marL="0" indent="0" algn="l">
+                        <a:buNone/>
+                      </a:pPr>
+                      <a:r>
+                        <a:rPr/>
+                        <a:t>Region</a:t>
+                      </a:r>
+                    </a:p>
+                  </a:txBody>
+                  <a:tcPr/>
+                </a:tc>
+                <a:tc>
+                  <a:txBody>
+                    <a:bodyPr/>
+                    <a:lstStyle/>
+                    <a:p>
+                      <a:pPr lvl="0" marL="0" indent="0" algn="r">
+                        <a:buNone/>
+                      </a:pPr>
+                      <a:r>
+                        <a:rPr/>
+                        <a:t>Nombre</a:t>
+                      </a:r>
+                      <a:r>
+                        <a:rPr/>
+                        <a:t> </a:t>
+                      </a:r>
+                      <a:r>
+                        <a:rPr/>
+                        <a:t>de</a:t>
+                      </a:r>
+                      <a:r>
+                        <a:rPr/>
+                        <a:t> </a:t>
+                      </a:r>
+                      <a:r>
+                        <a:rPr/>
+                        <a:t>cas</a:t>
+                      </a:r>
+                      <a:r>
+                        <a:rPr/>
+                        <a:t> </a:t>
+                      </a:r>
+                      <a:r>
+                        <a:rPr/>
+                        <a:t>cumules</a:t>
+                      </a:r>
+                    </a:p>
+                  </a:txBody>
+                  <a:tcPr/>
+                </a:tc>
+                <a:tc>
+                  <a:txBody>
+                    <a:bodyPr/>
+                    <a:lstStyle/>
+                    <a:p>
+                      <a:pPr lvl="0" marL="0" indent="0" algn="r">
+                        <a:buNone/>
+                      </a:pPr>
+                      <a:r>
+                        <a:rPr/>
+                        <a:t>Nombre</a:t>
+                      </a:r>
+                      <a:r>
+                        <a:rPr/>
+                        <a:t> </a:t>
+                      </a:r>
+                      <a:r>
+                        <a:rPr/>
+                        <a:t>de</a:t>
+                      </a:r>
+                      <a:r>
+                        <a:rPr/>
+                        <a:t> </a:t>
+                      </a:r>
+                      <a:r>
+                        <a:rPr/>
+                        <a:t>cas</a:t>
+                      </a:r>
+                      <a:r>
+                        <a:rPr/>
+                        <a:t> </a:t>
+                      </a:r>
+                      <a:r>
+                        <a:rPr/>
+                        <a:t>lors</a:t>
+                      </a:r>
+                      <a:r>
+                        <a:rPr/>
+                        <a:t> </a:t>
+                      </a:r>
+                      <a:r>
+                        <a:rPr/>
+                        <a:t>des</a:t>
+                      </a:r>
+                      <a:r>
+                        <a:rPr/>
+                        <a:t> </a:t>
+                      </a:r>
+                      <a:r>
+                        <a:rPr/>
+                        <a:t>15</a:t>
+                      </a:r>
+                      <a:r>
+                        <a:rPr/>
+                        <a:t> </a:t>
+                      </a:r>
+                      <a:r>
+                        <a:rPr/>
+                        <a:t>derniers</a:t>
+                      </a:r>
+                      <a:r>
+                        <a:rPr/>
+                        <a:t> </a:t>
+                      </a:r>
+                      <a:r>
+                        <a:rPr/>
+                        <a:t>jours</a:t>
+                      </a:r>
+                    </a:p>
+                  </a:txBody>
+                  <a:tcPr/>
+                </a:tc>
+              </a:tr>
+              <a:tr h="0">
+                <a:tc>
+                  <a:txBody>
+                    <a:bodyPr/>
+                    <a:lstStyle/>
+                    <a:p>
+                      <a:pPr lvl="0" marL="0" indent="0" algn="l">
+                        <a:buNone/>
+                      </a:pPr>
+                      <a:r>
+                        <a:rPr/>
+                        <a:t>Alaotra-Mangoro</a:t>
+                      </a:r>
+                    </a:p>
+                  </a:txBody>
+                </a:tc>
+                <a:tc>
+                  <a:txBody>
+                    <a:bodyPr/>
+                    <a:lstStyle/>
+                    <a:p>
+                      <a:pPr lvl="0" marL="0" indent="0" algn="r">
+                        <a:buNone/>
+                      </a:pPr>
+                      <a:r>
+                        <a:rPr/>
+                        <a:t>1118</a:t>
+                      </a:r>
+                    </a:p>
+                  </a:txBody>
+                </a:tc>
+                <a:tc>
+                  <a:txBody>
+                    <a:bodyPr/>
+                    <a:lstStyle/>
+                    <a:p>
+                      <a:pPr lvl="0" marL="0" indent="0" algn="r">
+                        <a:buNone/>
+                      </a:pPr>
+                      <a:r>
+                        <a:rPr/>
+                        <a:t>1</a:t>
+                      </a:r>
+                    </a:p>
+                  </a:txBody>
+                </a:tc>
+              </a:tr>
+              <a:tr h="0">
+                <a:tc>
+                  <a:txBody>
+                    <a:bodyPr/>
+                    <a:lstStyle/>
+                    <a:p>
+                      <a:pPr lvl="0" marL="0" indent="0" algn="l">
+                        <a:buNone/>
+                      </a:pPr>
+                      <a:r>
+                        <a:rPr/>
+                        <a:t>Amoron’i</a:t>
+                      </a:r>
+                      <a:r>
+                        <a:rPr/>
+                        <a:t> </a:t>
+                      </a:r>
+                      <a:r>
+                        <a:rPr/>
+                        <a:t>Mania</a:t>
+                      </a:r>
+                    </a:p>
+                  </a:txBody>
+                </a:tc>
+                <a:tc>
+                  <a:txBody>
+                    <a:bodyPr/>
+                    <a:lstStyle/>
+                    <a:p>
+                      <a:pPr lvl="0" marL="0" indent="0" algn="r">
+                        <a:buNone/>
+                      </a:pPr>
+                      <a:r>
+                        <a:rPr/>
+                        <a:t>516</a:t>
+                      </a:r>
+                    </a:p>
+                  </a:txBody>
+                </a:tc>
+                <a:tc>
+                  <a:txBody>
+                    <a:bodyPr/>
+                    <a:lstStyle/>
+                    <a:p>
+                      <a:pPr lvl="0" marL="0" indent="0" algn="r">
+                        <a:buNone/>
+                      </a:pPr>
+                      <a:r>
+                        <a:rPr/>
+                        <a:t>NA</a:t>
+                      </a:r>
+                    </a:p>
+                  </a:txBody>
+                </a:tc>
+              </a:tr>
+              <a:tr h="0">
+                <a:tc>
+                  <a:txBody>
+                    <a:bodyPr/>
+                    <a:lstStyle/>
+                    <a:p>
+                      <a:pPr lvl="0" marL="0" indent="0" algn="l">
+                        <a:buNone/>
+                      </a:pPr>
+                      <a:r>
+                        <a:rPr/>
+                        <a:t>Analamanga</a:t>
+                      </a:r>
+                    </a:p>
+                  </a:txBody>
+                </a:tc>
+                <a:tc>
+                  <a:txBody>
+                    <a:bodyPr/>
+                    <a:lstStyle/>
+                    <a:p>
+                      <a:pPr lvl="0" marL="0" indent="0" algn="r">
+                        <a:buNone/>
+                      </a:pPr>
+                      <a:r>
+                        <a:rPr/>
+                        <a:t>27911</a:t>
+                      </a:r>
+                    </a:p>
+                  </a:txBody>
+                </a:tc>
+                <a:tc>
+                  <a:txBody>
+                    <a:bodyPr/>
+                    <a:lstStyle/>
+                    <a:p>
+                      <a:pPr lvl="0" marL="0" indent="0" algn="r">
+                        <a:buNone/>
+                      </a:pPr>
+                      <a:r>
+                        <a:rPr/>
+                        <a:t>81</a:t>
+                      </a:r>
+                    </a:p>
+                  </a:txBody>
+                </a:tc>
+              </a:tr>
+              <a:tr h="0">
+                <a:tc>
+                  <a:txBody>
+                    <a:bodyPr/>
+                    <a:lstStyle/>
+                    <a:p>
+                      <a:pPr lvl="0" marL="0" indent="0" algn="l">
+                        <a:buNone/>
+                      </a:pPr>
+                      <a:r>
+                        <a:rPr/>
+                        <a:t>Analanjirofo</a:t>
+                      </a:r>
+                    </a:p>
+                  </a:txBody>
+                </a:tc>
+                <a:tc>
+                  <a:txBody>
+                    <a:bodyPr/>
+                    <a:lstStyle/>
+                    <a:p>
+                      <a:pPr lvl="0" marL="0" indent="0" algn="r">
+                        <a:buNone/>
+                      </a:pPr>
+                      <a:r>
+                        <a:rPr/>
+                        <a:t>826</a:t>
+                      </a:r>
+                    </a:p>
+                  </a:txBody>
+                </a:tc>
+                <a:tc>
+                  <a:txBody>
+                    <a:bodyPr/>
+                    <a:lstStyle/>
+                    <a:p>
+                      <a:pPr lvl="0" marL="0" indent="0" algn="r">
+                        <a:buNone/>
+                      </a:pPr>
+                      <a:r>
+                        <a:rPr/>
+                        <a:t>2</a:t>
+                      </a:r>
+                    </a:p>
+                  </a:txBody>
+                </a:tc>
+              </a:tr>
+              <a:tr h="0">
+                <a:tc>
+                  <a:txBody>
+                    <a:bodyPr/>
+                    <a:lstStyle/>
+                    <a:p>
+                      <a:pPr lvl="0" marL="0" indent="0" algn="l">
+                        <a:buNone/>
+                      </a:pPr>
+                      <a:r>
+                        <a:rPr/>
+                        <a:t>Androy</a:t>
+                      </a:r>
+                    </a:p>
+                  </a:txBody>
+                </a:tc>
+                <a:tc>
+                  <a:txBody>
+                    <a:bodyPr/>
+                    <a:lstStyle/>
+                    <a:p>
+                      <a:pPr lvl="0" marL="0" indent="0" algn="r">
+                        <a:buNone/>
+                      </a:pPr>
+                      <a:r>
+                        <a:rPr/>
+                        <a:t>84</a:t>
+                      </a:r>
+                    </a:p>
+                  </a:txBody>
+                </a:tc>
+                <a:tc>
+                  <a:txBody>
+                    <a:bodyPr/>
+                    <a:lstStyle/>
+                    <a:p>
+                      <a:pPr lvl="0" marL="0" indent="0" algn="r">
+                        <a:buNone/>
+                      </a:pPr>
+                      <a:r>
+                        <a:rPr/>
+                        <a:t>NA</a:t>
+                      </a:r>
+                    </a:p>
+                  </a:txBody>
+                </a:tc>
+              </a:tr>
+              <a:tr h="0">
+                <a:tc>
+                  <a:txBody>
+                    <a:bodyPr/>
+                    <a:lstStyle/>
+                    <a:p>
+                      <a:pPr lvl="0" marL="0" indent="0" algn="l">
+                        <a:buNone/>
+                      </a:pPr>
+                      <a:r>
+                        <a:rPr/>
+                        <a:t>Anosy</a:t>
+                      </a:r>
+                    </a:p>
+                  </a:txBody>
+                </a:tc>
+                <a:tc>
+                  <a:txBody>
+                    <a:bodyPr/>
+                    <a:lstStyle/>
+                    <a:p>
+                      <a:pPr lvl="0" marL="0" indent="0" algn="r">
+                        <a:buNone/>
+                      </a:pPr>
+                      <a:r>
+                        <a:rPr/>
+                        <a:t>361</a:t>
+                      </a:r>
+                    </a:p>
+                  </a:txBody>
+                </a:tc>
+                <a:tc>
+                  <a:txBody>
+                    <a:bodyPr/>
+                    <a:lstStyle/>
+                    <a:p>
+                      <a:pPr lvl="0" marL="0" indent="0" algn="r">
+                        <a:buNone/>
+                      </a:pPr>
+                      <a:r>
+                        <a:rPr/>
+                        <a:t>3</a:t>
+                      </a:r>
+                    </a:p>
+                  </a:txBody>
+                </a:tc>
+              </a:tr>
+              <a:tr h="0">
+                <a:tc>
+                  <a:txBody>
+                    <a:bodyPr/>
+                    <a:lstStyle/>
+                    <a:p>
+                      <a:pPr lvl="0" marL="0" indent="0" algn="l">
+                        <a:buNone/>
+                      </a:pPr>
+                      <a:r>
+                        <a:rPr/>
+                        <a:t>Atsimo-Andrefana</a:t>
+                      </a:r>
+                    </a:p>
+                  </a:txBody>
+                </a:tc>
+                <a:tc>
+                  <a:txBody>
+                    <a:bodyPr/>
+                    <a:lstStyle/>
+                    <a:p>
+                      <a:pPr lvl="0" marL="0" indent="0" algn="r">
+                        <a:buNone/>
+                      </a:pPr>
+                      <a:r>
+                        <a:rPr/>
+                        <a:t>894</a:t>
+                      </a:r>
+                    </a:p>
+                  </a:txBody>
+                </a:tc>
+                <a:tc>
+                  <a:txBody>
+                    <a:bodyPr/>
+                    <a:lstStyle/>
+                    <a:p>
+                      <a:pPr lvl="0" marL="0" indent="0" algn="r">
+                        <a:buNone/>
+                      </a:pPr>
+                      <a:r>
+                        <a:rPr/>
+                        <a:t>NA</a:t>
+                      </a:r>
+                    </a:p>
+                  </a:txBody>
+                </a:tc>
+              </a:tr>
+              <a:tr h="0">
+                <a:tc>
+                  <a:txBody>
+                    <a:bodyPr/>
+                    <a:lstStyle/>
+                    <a:p>
+                      <a:pPr lvl="0" marL="0" indent="0" algn="l">
+                        <a:buNone/>
+                      </a:pPr>
+                      <a:r>
+                        <a:rPr/>
+                        <a:t>Atsimo-Atsinanana</a:t>
+                      </a:r>
+                    </a:p>
+                  </a:txBody>
+                </a:tc>
+                <a:tc>
+                  <a:txBody>
+                    <a:bodyPr/>
+                    <a:lstStyle/>
+                    <a:p>
+                      <a:pPr lvl="0" marL="0" indent="0" algn="r">
+                        <a:buNone/>
+                      </a:pPr>
+                      <a:r>
+                        <a:rPr/>
+                        <a:t>90</a:t>
+                      </a:r>
+                    </a:p>
+                  </a:txBody>
+                </a:tc>
+                <a:tc>
+                  <a:txBody>
+                    <a:bodyPr/>
+                    <a:lstStyle/>
+                    <a:p>
+                      <a:pPr lvl="0" marL="0" indent="0" algn="r">
+                        <a:buNone/>
+                      </a:pPr>
+                      <a:r>
+                        <a:rPr/>
+                        <a:t>NA</a:t>
+                      </a:r>
+                    </a:p>
+                  </a:txBody>
+                </a:tc>
+              </a:tr>
+              <a:tr h="0">
+                <a:tc>
+                  <a:txBody>
+                    <a:bodyPr/>
+                    <a:lstStyle/>
+                    <a:p>
+                      <a:pPr lvl="0" marL="0" indent="0" algn="l">
+                        <a:buNone/>
+                      </a:pPr>
+                      <a:r>
+                        <a:rPr/>
+                        <a:t>Atsinanana</a:t>
+                      </a:r>
+                    </a:p>
+                  </a:txBody>
+                </a:tc>
+                <a:tc>
+                  <a:txBody>
+                    <a:bodyPr/>
+                    <a:lstStyle/>
+                    <a:p>
+                      <a:pPr lvl="0" marL="0" indent="0" algn="r">
+                        <a:buNone/>
+                      </a:pPr>
+                      <a:r>
+                        <a:rPr/>
+                        <a:t>2251</a:t>
+                      </a:r>
+                    </a:p>
+                  </a:txBody>
+                </a:tc>
+                <a:tc>
+                  <a:txBody>
+                    <a:bodyPr/>
+                    <a:lstStyle/>
+                    <a:p>
+                      <a:pPr lvl="0" marL="0" indent="0" algn="r">
+                        <a:buNone/>
+                      </a:pPr>
+                      <a:r>
+                        <a:rPr/>
+                        <a:t>8</a:t>
+                      </a:r>
+                    </a:p>
+                  </a:txBody>
+                </a:tc>
+              </a:tr>
+              <a:tr h="0">
+                <a:tc>
+                  <a:txBody>
+                    <a:bodyPr/>
+                    <a:lstStyle/>
+                    <a:p>
+                      <a:pPr lvl="0" marL="0" indent="0" algn="l">
+                        <a:buNone/>
+                      </a:pPr>
+                      <a:r>
+                        <a:rPr/>
+                        <a:t>Betsiboka</a:t>
+                      </a:r>
+                    </a:p>
+                  </a:txBody>
+                </a:tc>
+                <a:tc>
+                  <a:txBody>
+                    <a:bodyPr/>
+                    <a:lstStyle/>
+                    <a:p>
+                      <a:pPr lvl="0" marL="0" indent="0" algn="r">
+                        <a:buNone/>
+                      </a:pPr>
+                      <a:r>
+                        <a:rPr/>
+                        <a:t>154</a:t>
+                      </a:r>
+                    </a:p>
+                  </a:txBody>
+                </a:tc>
+                <a:tc>
+                  <a:txBody>
+                    <a:bodyPr/>
+                    <a:lstStyle/>
+                    <a:p>
+                      <a:pPr lvl="0" marL="0" indent="0" algn="r">
+                        <a:buNone/>
+                      </a:pPr>
+                      <a:r>
+                        <a:rPr/>
+                        <a:t>NA</a:t>
+                      </a:r>
+                    </a:p>
+                  </a:txBody>
+                </a:tc>
+              </a:tr>
+              <a:tr h="0">
+                <a:tc>
+                  <a:txBody>
+                    <a:bodyPr/>
+                    <a:lstStyle/>
+                    <a:p>
+                      <a:pPr lvl="0" marL="0" indent="0" algn="l">
+                        <a:buNone/>
+                      </a:pPr>
+                      <a:r>
+                        <a:rPr/>
+                        <a:t>Boeny</a:t>
+                      </a:r>
+                    </a:p>
+                  </a:txBody>
+                </a:tc>
+                <a:tc>
+                  <a:txBody>
+                    <a:bodyPr/>
+                    <a:lstStyle/>
+                    <a:p>
+                      <a:pPr lvl="0" marL="0" indent="0" algn="r">
+                        <a:buNone/>
+                      </a:pPr>
+                      <a:r>
+                        <a:rPr/>
+                        <a:t>940</a:t>
+                      </a:r>
+                    </a:p>
+                  </a:txBody>
+                </a:tc>
+                <a:tc>
+                  <a:txBody>
+                    <a:bodyPr/>
+                    <a:lstStyle/>
+                    <a:p>
+                      <a:pPr lvl="0" marL="0" indent="0" algn="r">
+                        <a:buNone/>
+                      </a:pPr>
+                      <a:r>
+                        <a:rPr/>
+                        <a:t>2</a:t>
+                      </a:r>
+                    </a:p>
+                  </a:txBody>
+                </a:tc>
+              </a:tr>
+              <a:tr h="0">
+                <a:tc>
+                  <a:txBody>
+                    <a:bodyPr/>
+                    <a:lstStyle/>
+                    <a:p>
+                      <a:pPr lvl="0" marL="0" indent="0" algn="l">
+                        <a:buNone/>
+                      </a:pPr>
+                      <a:r>
+                        <a:rPr/>
+                        <a:t>Bongolava</a:t>
+                      </a:r>
+                    </a:p>
+                  </a:txBody>
+                </a:tc>
+                <a:tc>
+                  <a:txBody>
+                    <a:bodyPr/>
+                    <a:lstStyle/>
+                    <a:p>
+                      <a:pPr lvl="0" marL="0" indent="0" algn="r">
+                        <a:buNone/>
+                      </a:pPr>
+                      <a:r>
+                        <a:rPr/>
+                        <a:t>440</a:t>
+                      </a:r>
+                    </a:p>
+                  </a:txBody>
+                </a:tc>
+                <a:tc>
+                  <a:txBody>
+                    <a:bodyPr/>
+                    <a:lstStyle/>
+                    <a:p>
+                      <a:pPr lvl="0" marL="0" indent="0" algn="r">
+                        <a:buNone/>
+                      </a:pPr>
+                      <a:r>
+                        <a:rPr/>
+                        <a:t>NA</a:t>
+                      </a:r>
+                    </a:p>
+                  </a:txBody>
+                </a:tc>
+              </a:tr>
+              <a:tr h="0">
+                <a:tc>
+                  <a:txBody>
+                    <a:bodyPr/>
+                    <a:lstStyle/>
+                    <a:p>
+                      <a:pPr lvl="0" marL="0" indent="0" algn="l">
+                        <a:buNone/>
+                      </a:pPr>
+                      <a:r>
+                        <a:rPr/>
+                        <a:t>Diana</a:t>
+                      </a:r>
+                    </a:p>
+                  </a:txBody>
+                </a:tc>
+                <a:tc>
+                  <a:txBody>
+                    <a:bodyPr/>
+                    <a:lstStyle/>
+                    <a:p>
+                      <a:pPr lvl="0" marL="0" indent="0" algn="r">
+                        <a:buNone/>
+                      </a:pPr>
+                      <a:r>
+                        <a:rPr/>
+                        <a:t>2075</a:t>
+                      </a:r>
+                    </a:p>
+                  </a:txBody>
+                </a:tc>
+                <a:tc>
+                  <a:txBody>
+                    <a:bodyPr/>
+                    <a:lstStyle/>
+                    <a:p>
+                      <a:pPr lvl="0" marL="0" indent="0" algn="r">
+                        <a:buNone/>
+                      </a:pPr>
+                      <a:r>
+                        <a:rPr/>
+                        <a:t>5</a:t>
+                      </a:r>
+                    </a:p>
+                  </a:txBody>
+                </a:tc>
+              </a:tr>
+              <a:tr h="0">
+                <a:tc>
+                  <a:txBody>
+                    <a:bodyPr/>
+                    <a:lstStyle/>
+                    <a:p>
+                      <a:pPr lvl="0" marL="0" indent="0" algn="l">
+                        <a:buNone/>
+                      </a:pPr>
+                      <a:r>
+                        <a:rPr/>
+                        <a:t>Ihorombe</a:t>
+                      </a:r>
+                    </a:p>
+                  </a:txBody>
+                </a:tc>
+                <a:tc>
+                  <a:txBody>
+                    <a:bodyPr/>
+                    <a:lstStyle/>
+                    <a:p>
+                      <a:pPr lvl="0" marL="0" indent="0" algn="r">
+                        <a:buNone/>
+                      </a:pPr>
+                      <a:r>
+                        <a:rPr/>
+                        <a:t>322</a:t>
+                      </a:r>
+                    </a:p>
+                  </a:txBody>
+                </a:tc>
+                <a:tc>
+                  <a:txBody>
+                    <a:bodyPr/>
+                    <a:lstStyle/>
+                    <a:p>
+                      <a:pPr lvl="0" marL="0" indent="0" algn="r">
+                        <a:buNone/>
+                      </a:pPr>
+                      <a:r>
+                        <a:rPr/>
+                        <a:t>NA</a:t>
+                      </a:r>
+                    </a:p>
+                  </a:txBody>
+                </a:tc>
+              </a:tr>
+              <a:tr h="0">
+                <a:tc>
+                  <a:txBody>
+                    <a:bodyPr/>
+                    <a:lstStyle/>
+                    <a:p>
+                      <a:pPr lvl="0" marL="0" indent="0" algn="l">
+                        <a:buNone/>
+                      </a:pPr>
+                      <a:r>
+                        <a:rPr/>
+                        <a:t>Itasy</a:t>
+                      </a:r>
+                    </a:p>
+                  </a:txBody>
+                </a:tc>
+                <a:tc>
+                  <a:txBody>
+                    <a:bodyPr/>
+                    <a:lstStyle/>
+                    <a:p>
+                      <a:pPr lvl="0" marL="0" indent="0" algn="r">
+                        <a:buNone/>
+                      </a:pPr>
+                      <a:r>
+                        <a:rPr/>
+                        <a:t>443</a:t>
+                      </a:r>
+                    </a:p>
+                  </a:txBody>
+                </a:tc>
+                <a:tc>
+                  <a:txBody>
+                    <a:bodyPr/>
+                    <a:lstStyle/>
+                    <a:p>
+                      <a:pPr lvl="0" marL="0" indent="0" algn="r">
+                        <a:buNone/>
+                      </a:pPr>
+                      <a:r>
+                        <a:rPr/>
+                        <a:t>NA</a:t>
+                      </a:r>
+                    </a:p>
+                  </a:txBody>
+                </a:tc>
+              </a:tr>
+              <a:tr h="0">
+                <a:tc>
+                  <a:txBody>
+                    <a:bodyPr/>
+                    <a:lstStyle/>
+                    <a:p>
+                      <a:pPr lvl="0" marL="0" indent="0" algn="l">
+                        <a:buNone/>
+                      </a:pPr>
+                      <a:r>
+                        <a:rPr/>
+                        <a:t>Matsiatra</a:t>
+                      </a:r>
+                      <a:r>
+                        <a:rPr/>
+                        <a:t> </a:t>
+                      </a:r>
+                      <a:r>
+                        <a:rPr/>
+                        <a:t>Ambony</a:t>
+                      </a:r>
+                    </a:p>
+                  </a:txBody>
+                </a:tc>
+                <a:tc>
+                  <a:txBody>
+                    <a:bodyPr/>
+                    <a:lstStyle/>
+                    <a:p>
+                      <a:pPr lvl="0" marL="0" indent="0" algn="r">
+                        <a:buNone/>
+                      </a:pPr>
+                      <a:r>
+                        <a:rPr/>
+                        <a:t>1160</a:t>
+                      </a:r>
+                    </a:p>
+                  </a:txBody>
+                </a:tc>
+                <a:tc>
+                  <a:txBody>
+                    <a:bodyPr/>
+                    <a:lstStyle/>
+                    <a:p>
+                      <a:pPr lvl="0" marL="0" indent="0" algn="r">
+                        <a:buNone/>
+                      </a:pPr>
+                      <a:r>
+                        <a:rPr/>
+                        <a:t>1</a:t>
+                      </a:r>
+                    </a:p>
+                  </a:txBody>
+                </a:tc>
+              </a:tr>
+              <a:tr h="0">
+                <a:tc>
+                  <a:txBody>
+                    <a:bodyPr/>
+                    <a:lstStyle/>
+                    <a:p>
+                      <a:pPr lvl="0" marL="0" indent="0" algn="l">
+                        <a:buNone/>
+                      </a:pPr>
+                      <a:r>
+                        <a:rPr/>
+                        <a:t>Melaky</a:t>
+                      </a:r>
+                    </a:p>
+                  </a:txBody>
+                </a:tc>
+                <a:tc>
+                  <a:txBody>
+                    <a:bodyPr/>
+                    <a:lstStyle/>
+                    <a:p>
+                      <a:pPr lvl="0" marL="0" indent="0" algn="r">
+                        <a:buNone/>
+                      </a:pPr>
+                      <a:r>
+                        <a:rPr/>
+                        <a:t>58</a:t>
+                      </a:r>
+                    </a:p>
+                  </a:txBody>
+                </a:tc>
+                <a:tc>
+                  <a:txBody>
+                    <a:bodyPr/>
+                    <a:lstStyle/>
+                    <a:p>
+                      <a:pPr lvl="0" marL="0" indent="0" algn="r">
+                        <a:buNone/>
+                      </a:pPr>
+                      <a:r>
+                        <a:rPr/>
+                        <a:t>NA</a:t>
+                      </a:r>
+                    </a:p>
+                  </a:txBody>
+                </a:tc>
+              </a:tr>
+              <a:tr h="0">
+                <a:tc>
+                  <a:txBody>
+                    <a:bodyPr/>
+                    <a:lstStyle/>
+                    <a:p>
+                      <a:pPr lvl="0" marL="0" indent="0" algn="l">
+                        <a:buNone/>
+                      </a:pPr>
+                      <a:r>
+                        <a:rPr/>
+                        <a:t>Menabe</a:t>
+                      </a:r>
+                    </a:p>
+                  </a:txBody>
+                </a:tc>
+                <a:tc>
+                  <a:txBody>
+                    <a:bodyPr/>
+                    <a:lstStyle/>
+                    <a:p>
+                      <a:pPr lvl="0" marL="0" indent="0" algn="r">
+                        <a:buNone/>
+                      </a:pPr>
+                      <a:r>
+                        <a:rPr/>
+                        <a:t>621</a:t>
+                      </a:r>
+                    </a:p>
+                  </a:txBody>
+                </a:tc>
+                <a:tc>
+                  <a:txBody>
+                    <a:bodyPr/>
+                    <a:lstStyle/>
+                    <a:p>
+                      <a:pPr lvl="0" marL="0" indent="0" algn="r">
+                        <a:buNone/>
+                      </a:pPr>
+                      <a:r>
+                        <a:rPr/>
+                        <a:t>84</a:t>
+                      </a:r>
+                    </a:p>
+                  </a:txBody>
+                </a:tc>
+              </a:tr>
+              <a:tr h="0">
+                <a:tc>
+                  <a:txBody>
+                    <a:bodyPr/>
+                    <a:lstStyle/>
+                    <a:p>
+                      <a:pPr lvl="0" marL="0" indent="0" algn="l">
+                        <a:buNone/>
+                      </a:pPr>
+                      <a:r>
+                        <a:rPr/>
+                        <a:t>Sava</a:t>
+                      </a:r>
+                    </a:p>
+                  </a:txBody>
+                </a:tc>
+                <a:tc>
+                  <a:txBody>
+                    <a:bodyPr/>
+                    <a:lstStyle/>
+                    <a:p>
+                      <a:pPr lvl="0" marL="0" indent="0" algn="r">
+                        <a:buNone/>
+                      </a:pPr>
+                      <a:r>
+                        <a:rPr/>
+                        <a:t>744</a:t>
+                      </a:r>
+                    </a:p>
+                  </a:txBody>
+                </a:tc>
+                <a:tc>
+                  <a:txBody>
+                    <a:bodyPr/>
+                    <a:lstStyle/>
+                    <a:p>
+                      <a:pPr lvl="0" marL="0" indent="0" algn="r">
+                        <a:buNone/>
+                      </a:pPr>
+                      <a:r>
+                        <a:rPr/>
+                        <a:t>NA</a:t>
+                      </a:r>
+                    </a:p>
+                  </a:txBody>
+                </a:tc>
+              </a:tr>
+              <a:tr h="0">
+                <a:tc>
+                  <a:txBody>
+                    <a:bodyPr/>
+                    <a:lstStyle/>
+                    <a:p>
+                      <a:pPr lvl="0" marL="0" indent="0" algn="l">
+                        <a:buNone/>
+                      </a:pPr>
+                      <a:r>
+                        <a:rPr/>
+                        <a:t>Sofia</a:t>
+                      </a:r>
+                    </a:p>
+                  </a:txBody>
+                </a:tc>
+                <a:tc>
+                  <a:txBody>
+                    <a:bodyPr/>
+                    <a:lstStyle/>
+                    <a:p>
+                      <a:pPr lvl="0" marL="0" indent="0" algn="r">
+                        <a:buNone/>
+                      </a:pPr>
+                      <a:r>
+                        <a:rPr/>
+                        <a:t>797</a:t>
+                      </a:r>
+                    </a:p>
+                  </a:txBody>
+                </a:tc>
+                <a:tc>
+                  <a:txBody>
+                    <a:bodyPr/>
+                    <a:lstStyle/>
+                    <a:p>
+                      <a:pPr lvl="0" marL="0" indent="0" algn="r">
+                        <a:buNone/>
+                      </a:pPr>
+                      <a:r>
+                        <a:rPr/>
+                        <a:t>NA</a:t>
+                      </a:r>
+                    </a:p>
+                  </a:txBody>
+                </a:tc>
+              </a:tr>
+              <a:tr h="0">
+                <a:tc>
+                  <a:txBody>
+                    <a:bodyPr/>
+                    <a:lstStyle/>
+                    <a:p>
+                      <a:pPr lvl="0" marL="0" indent="0" algn="l">
+                        <a:buNone/>
+                      </a:pPr>
+                      <a:r>
+                        <a:rPr/>
+                        <a:t>Vakinankaratra</a:t>
+                      </a:r>
+                    </a:p>
+                  </a:txBody>
+                </a:tc>
+                <a:tc>
+                  <a:txBody>
+                    <a:bodyPr/>
+                    <a:lstStyle/>
+                    <a:p>
+                      <a:pPr lvl="0" marL="0" indent="0" algn="r">
+                        <a:buNone/>
+                      </a:pPr>
+                      <a:r>
+                        <a:rPr/>
+                        <a:t>938</a:t>
+                      </a:r>
+                    </a:p>
+                  </a:txBody>
+                </a:tc>
+                <a:tc>
+                  <a:txBody>
+                    <a:bodyPr/>
+                    <a:lstStyle/>
+                    <a:p>
+                      <a:pPr lvl="0" marL="0" indent="0" algn="r">
+                        <a:buNone/>
+                      </a:pPr>
+                      <a:r>
+                        <a:rPr/>
+                        <a:t>17</a:t>
+                      </a:r>
+                    </a:p>
+                  </a:txBody>
+                </a:tc>
+              </a:tr>
+              <a:tr h="0">
+                <a:tc>
+                  <a:txBody>
+                    <a:bodyPr/>
+                    <a:lstStyle/>
+                    <a:p>
+                      <a:pPr lvl="0" marL="0" indent="0" algn="l">
+                        <a:buNone/>
+                      </a:pPr>
+                      <a:r>
+                        <a:rPr/>
+                        <a:t>Vatovavy-Fitovinany</a:t>
+                      </a:r>
+                    </a:p>
+                  </a:txBody>
+                </a:tc>
+                <a:tc>
+                  <a:txBody>
+                    <a:bodyPr/>
+                    <a:lstStyle/>
+                    <a:p>
+                      <a:pPr lvl="0" marL="0" indent="0" algn="r">
+                        <a:buNone/>
+                      </a:pPr>
+                      <a:r>
+                        <a:rPr/>
+                        <a:t>360</a:t>
+                      </a:r>
+                    </a:p>
+                  </a:txBody>
+                </a:tc>
+                <a:tc>
+                  <a:txBody>
+                    <a:bodyPr/>
+                    <a:lstStyle/>
+                    <a:p>
+                      <a:pPr lvl="0" marL="0" indent="0" algn="r">
+                        <a:buNone/>
+                      </a:pPr>
+                      <a:r>
+                        <a:rPr/>
+                        <a:t>1</a:t>
+                      </a:r>
+                    </a:p>
+                  </a:txBody>
+                </a:tc>
+              </a:tr>
+            </a:tbl>
+          </a:graphicData>
+        </a:graphic>
+      </p:graphicFrame>
     </p:spTree>
   </p:cSld>
 </p:sld>
@@ -3575,7 +4818,7 @@
             </a:pPr>
             <a:r>
               <a:rPr/>
-              <a:t>Slide</a:t>
+              <a:t>Niveau</a:t>
             </a:r>
             <a:r>
               <a:rPr/>
@@ -3583,22 +4826,14 @@
             </a:r>
             <a:r>
               <a:rPr/>
-              <a:t>with</a:t>
-            </a:r>
-            <a:r>
-              <a:rPr/>
-              <a:t> </a:t>
-            </a:r>
-            <a:r>
-              <a:rPr/>
-              <a:t>Plot</a:t>
+              <a:t>d’alerte</a:t>
             </a:r>
           </a:p>
         </p:txBody>
       </p:sp>
       <p:pic>
         <p:nvPicPr>
-          <p:cNvPr descr="ppt_test_files/figure-pptx/pressure-1.png" id="0" name="Picture 1"/>
+          <p:cNvPr descr="ppt_test_files/figure-pptx/unnamed-chunk-3-1.png" id="0" name="Picture 1"/>
           <p:cNvPicPr>
             <a:picLocks noGrp="1" noChangeAspect="1"/>
           </p:cNvPicPr>
@@ -3612,8 +4847,8 @@
         </p:blipFill>
         <p:spPr bwMode="auto">
           <a:xfrm>
-            <a:off x="1752600" y="1600200"/>
-            <a:ext cx="5651500" cy="4521200"/>
+            <a:off x="457200" y="1663700"/>
+            <a:ext cx="8229600" cy="4394200"/>
           </a:xfrm>
           <a:prstGeom prst="rect">
             <a:avLst/>
